--- a/docs/microservices.pptx
+++ b/docs/microservices.pptx
@@ -5,7 +5,7 @@
     <p:sldMasterId id="2147483648" r:id="rId1"/>
   </p:sldMasterIdLst>
   <p:notesMasterIdLst>
-    <p:notesMasterId r:id="rId17"/>
+    <p:notesMasterId r:id="rId18"/>
   </p:notesMasterIdLst>
   <p:sldIdLst>
     <p:sldId id="256" r:id="rId2"/>
@@ -18,11 +18,12 @@
     <p:sldId id="267" r:id="rId9"/>
     <p:sldId id="268" r:id="rId10"/>
     <p:sldId id="269" r:id="rId11"/>
-    <p:sldId id="270" r:id="rId12"/>
-    <p:sldId id="271" r:id="rId13"/>
-    <p:sldId id="264" r:id="rId14"/>
-    <p:sldId id="263" r:id="rId15"/>
-    <p:sldId id="262" r:id="rId16"/>
+    <p:sldId id="272" r:id="rId12"/>
+    <p:sldId id="270" r:id="rId13"/>
+    <p:sldId id="271" r:id="rId14"/>
+    <p:sldId id="264" r:id="rId15"/>
+    <p:sldId id="263" r:id="rId16"/>
+    <p:sldId id="262" r:id="rId17"/>
   </p:sldIdLst>
   <p:sldSz cx="12192000" cy="6858000"/>
   <p:notesSz cx="6858000" cy="9144000"/>
@@ -301,6 +302,63 @@
 </inkml:ink>
 </file>
 
+<file path=ppt/ink/ink15.xml><?xml version="1.0" encoding="utf-8"?>
+<inkml:ink xmlns:inkml="http://www.w3.org/2003/InkML">
+  <inkml:definitions>
+    <inkml:context xml:id="ctx0">
+      <inkml:inkSource xml:id="inkSrc0">
+        <inkml:traceFormat>
+          <inkml:channel name="X" type="integer" min="-2.14748E9" max="2.14748E9" units="cm"/>
+          <inkml:channel name="Y" type="integer" min="-2.14748E9" max="2.14748E9" units="cm"/>
+        </inkml:traceFormat>
+        <inkml:channelProperties>
+          <inkml:channelProperty channel="X" name="resolution" value="1000" units="1/cm"/>
+          <inkml:channelProperty channel="Y" name="resolution" value="1000" units="1/cm"/>
+        </inkml:channelProperties>
+      </inkml:inkSource>
+      <inkml:timestamp xml:id="ts0" timeString="2022-10-06T04:02:06.290"/>
+    </inkml:context>
+    <inkml:brush xml:id="br0">
+      <inkml:brushProperty name="width" value="0.3" units="cm"/>
+      <inkml:brushProperty name="height" value="0.6" units="cm"/>
+      <inkml:brushProperty name="color" value="#FFFC00"/>
+      <inkml:brushProperty name="tip" value="rectangle"/>
+      <inkml:brushProperty name="rasterOp" value="maskPen"/>
+      <inkml:brushProperty name="ignorePressure" value="1"/>
+    </inkml:brush>
+  </inkml:definitions>
+  <inkml:trace contextRef="#ctx0" brushRef="#br0">1 0,'0'0</inkml:trace>
+</inkml:ink>
+</file>
+
+<file path=ppt/ink/ink16.xml><?xml version="1.0" encoding="utf-8"?>
+<inkml:ink xmlns:inkml="http://www.w3.org/2003/InkML">
+  <inkml:definitions>
+    <inkml:context xml:id="ctx0">
+      <inkml:inkSource xml:id="inkSrc0">
+        <inkml:traceFormat>
+          <inkml:channel name="X" type="integer" min="-2.14748E9" max="2.14748E9" units="cm"/>
+          <inkml:channel name="Y" type="integer" min="-2.14748E9" max="2.14748E9" units="cm"/>
+          <inkml:channel name="F" type="integer" max="32767" units="dev"/>
+        </inkml:traceFormat>
+        <inkml:channelProperties>
+          <inkml:channelProperty channel="X" name="resolution" value="1000" units="1/cm"/>
+          <inkml:channelProperty channel="Y" name="resolution" value="1000" units="1/cm"/>
+          <inkml:channelProperty channel="F" name="resolution" value="0" units="1/dev"/>
+        </inkml:channelProperties>
+      </inkml:inkSource>
+      <inkml:timestamp xml:id="ts0" timeString="2022-10-06T04:02:29.519"/>
+    </inkml:context>
+    <inkml:brush xml:id="br0">
+      <inkml:brushProperty name="width" value="0.05" units="cm"/>
+      <inkml:brushProperty name="height" value="0.05" units="cm"/>
+      <inkml:brushProperty name="color" value="#F6630D"/>
+    </inkml:brush>
+  </inkml:definitions>
+  <inkml:trace contextRef="#ctx0" brushRef="#br0">0 137 24575,'74'0'0,"119"16"0,-31 6 0,-90-12 0,1-4 0,140-5 0,-107-2 0,106-1 0,339 5 0,-141 36 0,64 2 0,-185-39 0,203 5 0,-330-2 0,130 6 0,-249-7 0,0 2 0,-1 2 0,52 17 0,-66-19 0,0-2 0,1-1 0,-1-1 0,1-1 0,32-4 0,2 2 0,472 0 0,-471-2 0,95-17 0,-55 6 0,671-79 0,-275 19 0,53-9 0,-376 58 0,-67 8 0,187-4 0,136 22 0,-409 1 0,0 1 0,-1 0 0,1 2 0,28 10 0,-23-7 0,59 9 0,5-1 0,-21-3 0,-11-2 0,-34-6 0,49 5 0,412-8 0,-242-4 0,203 19 0,155-5 0,-385-14 0,243 2 0,-420 2 0,59 11 0,-33-4 0,17 3 0,-21-3 0,67 0 0,269 8 0,-284-10 0,-4-3-1365,-89-4-5461</inkml:trace>
+</inkml:ink>
+</file>
+
 <file path=ppt/ink/ink2.xml><?xml version="1.0" encoding="utf-8"?>
 <inkml:ink xmlns:inkml="http://www.w3.org/2003/InkML">
   <inkml:definitions>
@@ -615,7 +673,7 @@
           <a:p>
             <a:fld id="{E8151CC2-1919-42B8-9F76-4D1B8CD3604D}" type="datetimeFigureOut">
               <a:rPr lang="en-US" smtClean="0"/>
-              <a:t>10/2/2022</a:t>
+              <a:t>10/6/2022</a:t>
             </a:fld>
             <a:endParaRPr lang="en-US"/>
           </a:p>
@@ -1158,7 +1216,7 @@
           <a:p>
             <a:fld id="{FED04C25-B196-487B-A112-EFE59A4954F1}" type="datetimeFigureOut">
               <a:rPr lang="en-US" smtClean="0"/>
-              <a:t>10/2/2022</a:t>
+              <a:t>10/6/2022</a:t>
             </a:fld>
             <a:endParaRPr lang="en-US"/>
           </a:p>
@@ -1356,7 +1414,7 @@
           <a:p>
             <a:fld id="{FED04C25-B196-487B-A112-EFE59A4954F1}" type="datetimeFigureOut">
               <a:rPr lang="en-US" smtClean="0"/>
-              <a:t>10/2/2022</a:t>
+              <a:t>10/6/2022</a:t>
             </a:fld>
             <a:endParaRPr lang="en-US"/>
           </a:p>
@@ -1564,7 +1622,7 @@
           <a:p>
             <a:fld id="{FED04C25-B196-487B-A112-EFE59A4954F1}" type="datetimeFigureOut">
               <a:rPr lang="en-US" smtClean="0"/>
-              <a:t>10/2/2022</a:t>
+              <a:t>10/6/2022</a:t>
             </a:fld>
             <a:endParaRPr lang="en-US"/>
           </a:p>
@@ -1762,7 +1820,7 @@
           <a:p>
             <a:fld id="{FED04C25-B196-487B-A112-EFE59A4954F1}" type="datetimeFigureOut">
               <a:rPr lang="en-US" smtClean="0"/>
-              <a:t>10/2/2022</a:t>
+              <a:t>10/6/2022</a:t>
             </a:fld>
             <a:endParaRPr lang="en-US"/>
           </a:p>
@@ -2037,7 +2095,7 @@
           <a:p>
             <a:fld id="{FED04C25-B196-487B-A112-EFE59A4954F1}" type="datetimeFigureOut">
               <a:rPr lang="en-US" smtClean="0"/>
-              <a:t>10/2/2022</a:t>
+              <a:t>10/6/2022</a:t>
             </a:fld>
             <a:endParaRPr lang="en-US"/>
           </a:p>
@@ -2302,7 +2360,7 @@
           <a:p>
             <a:fld id="{FED04C25-B196-487B-A112-EFE59A4954F1}" type="datetimeFigureOut">
               <a:rPr lang="en-US" smtClean="0"/>
-              <a:t>10/2/2022</a:t>
+              <a:t>10/6/2022</a:t>
             </a:fld>
             <a:endParaRPr lang="en-US"/>
           </a:p>
@@ -2714,7 +2772,7 @@
           <a:p>
             <a:fld id="{FED04C25-B196-487B-A112-EFE59A4954F1}" type="datetimeFigureOut">
               <a:rPr lang="en-US" smtClean="0"/>
-              <a:t>10/2/2022</a:t>
+              <a:t>10/6/2022</a:t>
             </a:fld>
             <a:endParaRPr lang="en-US"/>
           </a:p>
@@ -2855,7 +2913,7 @@
           <a:p>
             <a:fld id="{FED04C25-B196-487B-A112-EFE59A4954F1}" type="datetimeFigureOut">
               <a:rPr lang="en-US" smtClean="0"/>
-              <a:t>10/2/2022</a:t>
+              <a:t>10/6/2022</a:t>
             </a:fld>
             <a:endParaRPr lang="en-US"/>
           </a:p>
@@ -2968,7 +3026,7 @@
           <a:p>
             <a:fld id="{FED04C25-B196-487B-A112-EFE59A4954F1}" type="datetimeFigureOut">
               <a:rPr lang="en-US" smtClean="0"/>
-              <a:t>10/2/2022</a:t>
+              <a:t>10/6/2022</a:t>
             </a:fld>
             <a:endParaRPr lang="en-US"/>
           </a:p>
@@ -3279,7 +3337,7 @@
           <a:p>
             <a:fld id="{FED04C25-B196-487B-A112-EFE59A4954F1}" type="datetimeFigureOut">
               <a:rPr lang="en-US" smtClean="0"/>
-              <a:t>10/2/2022</a:t>
+              <a:t>10/6/2022</a:t>
             </a:fld>
             <a:endParaRPr lang="en-US"/>
           </a:p>
@@ -3567,7 +3625,7 @@
           <a:p>
             <a:fld id="{FED04C25-B196-487B-A112-EFE59A4954F1}" type="datetimeFigureOut">
               <a:rPr lang="en-US" smtClean="0"/>
-              <a:t>10/2/2022</a:t>
+              <a:t>10/6/2022</a:t>
             </a:fld>
             <a:endParaRPr lang="en-US"/>
           </a:p>
@@ -3808,7 +3866,7 @@
           <a:p>
             <a:fld id="{FED04C25-B196-487B-A112-EFE59A4954F1}" type="datetimeFigureOut">
               <a:rPr lang="en-US" smtClean="0"/>
-              <a:t>10/2/2022</a:t>
+              <a:t>10/6/2022</a:t>
             </a:fld>
             <a:endParaRPr lang="en-US"/>
           </a:p>
@@ -4393,7 +4451,7 @@
         <p:spPr>
           <a:xfrm>
             <a:off x="388547" y="831771"/>
-            <a:ext cx="11393549" cy="5355312"/>
+            <a:ext cx="11393549" cy="5909310"/>
           </a:xfrm>
           <a:prstGeom prst="rect">
             <a:avLst/>
@@ -4449,10 +4507,54 @@
             <a:endParaRPr lang="en-US" dirty="0"/>
           </a:p>
           <a:p>
-            <a:endParaRPr lang="en-US" dirty="0"/>
-          </a:p>
-          <a:p>
-            <a:endParaRPr lang="en-US" dirty="0"/>
+            <a:r>
+              <a:rPr lang="en-US" dirty="0"/>
+              <a:t>Controller:</a:t>
+            </a:r>
+          </a:p>
+          <a:p>
+            <a:r>
+              <a:rPr lang="en-US" b="1" dirty="0"/>
+              <a:t> Derive from </a:t>
+            </a:r>
+            <a:r>
+              <a:rPr lang="en-US" b="1" dirty="0" err="1"/>
+              <a:t>Microsoft.AspNetCore.Mvc.ControllerBase</a:t>
+            </a:r>
+            <a:endParaRPr lang="en-US" b="1" dirty="0"/>
+          </a:p>
+          <a:p>
+            <a:r>
+              <a:rPr lang="en-US" b="1" dirty="0"/>
+              <a:t> [</a:t>
+            </a:r>
+            <a:r>
+              <a:rPr lang="en-US" b="1" dirty="0" err="1"/>
+              <a:t>ApiController</a:t>
+            </a:r>
+            <a:r>
+              <a:rPr lang="en-US" b="1" dirty="0"/>
+              <a:t>] – decorate with this </a:t>
+            </a:r>
+            <a:r>
+              <a:rPr lang="en-US" b="1" dirty="0" err="1"/>
+              <a:t>attr</a:t>
+            </a:r>
+            <a:endParaRPr lang="en-US" b="1" dirty="0"/>
+          </a:p>
+          <a:p>
+            <a:r>
+              <a:rPr lang="en-US" b="1" dirty="0"/>
+              <a:t> [Route(“</a:t>
+            </a:r>
+            <a:r>
+              <a:rPr lang="en-US" b="1" dirty="0" err="1"/>
+              <a:t>api</a:t>
+            </a:r>
+            <a:r>
+              <a:rPr lang="en-US" b="1" dirty="0"/>
+              <a:t>/[controller]”) – define route, write route methods, and register the controller.</a:t>
+            </a:r>
           </a:p>
           <a:p>
             <a:endParaRPr lang="en-US" dirty="0"/>
@@ -5020,6 +5122,311 @@
           <a:chExt cx="0" cy="0"/>
         </a:xfrm>
       </p:grpSpPr>
+      <p:pic>
+        <p:nvPicPr>
+          <p:cNvPr id="9" name="Picture 8">
+            <a:extLst>
+              <a:ext uri="{FF2B5EF4-FFF2-40B4-BE49-F238E27FC236}">
+                <a16:creationId xmlns:a16="http://schemas.microsoft.com/office/drawing/2014/main" id="{1AB912C9-BC13-5237-86BD-5F7C3A21668D}"/>
+              </a:ext>
+            </a:extLst>
+          </p:cNvPr>
+          <p:cNvPicPr>
+            <a:picLocks noChangeAspect="1"/>
+          </p:cNvPicPr>
+          <p:nvPr/>
+        </p:nvPicPr>
+        <p:blipFill>
+          <a:blip r:embed="rId2"/>
+          <a:stretch>
+            <a:fillRect/>
+          </a:stretch>
+        </p:blipFill>
+        <p:spPr>
+          <a:xfrm>
+            <a:off x="673773" y="261431"/>
+            <a:ext cx="7672560" cy="6323964"/>
+          </a:xfrm>
+          <a:prstGeom prst="rect">
+            <a:avLst/>
+          </a:prstGeom>
+        </p:spPr>
+      </p:pic>
+      <mc:AlternateContent xmlns:mc="http://schemas.openxmlformats.org/markup-compatibility/2006">
+        <mc:Choice xmlns:p14="http://schemas.microsoft.com/office/powerpoint/2010/main" Requires="p14">
+          <p:contentPart p14:bwMode="auto" r:id="rId3">
+            <p14:nvContentPartPr>
+              <p14:cNvPr id="10" name="Ink 9">
+                <a:extLst>
+                  <a:ext uri="{FF2B5EF4-FFF2-40B4-BE49-F238E27FC236}">
+                    <a16:creationId xmlns:a16="http://schemas.microsoft.com/office/drawing/2014/main" id="{52929601-7F80-729A-783F-3707BEE95AAC}"/>
+                  </a:ext>
+                </a:extLst>
+              </p14:cNvPr>
+              <p14:cNvContentPartPr/>
+              <p14:nvPr/>
+            </p14:nvContentPartPr>
+            <p14:xfrm>
+              <a:off x="2511701" y="5177918"/>
+              <a:ext cx="360" cy="360"/>
+            </p14:xfrm>
+          </p:contentPart>
+        </mc:Choice>
+        <mc:Fallback>
+          <p:pic>
+            <p:nvPicPr>
+              <p:cNvPr id="10" name="Ink 9">
+                <a:extLst>
+                  <a:ext uri="{FF2B5EF4-FFF2-40B4-BE49-F238E27FC236}">
+                    <a16:creationId xmlns:a16="http://schemas.microsoft.com/office/drawing/2014/main" id="{52929601-7F80-729A-783F-3707BEE95AAC}"/>
+                  </a:ext>
+                </a:extLst>
+              </p:cNvPr>
+              <p:cNvPicPr/>
+              <p:nvPr/>
+            </p:nvPicPr>
+            <p:blipFill>
+              <a:blip r:embed="rId4"/>
+              <a:stretch>
+                <a:fillRect/>
+              </a:stretch>
+            </p:blipFill>
+            <p:spPr>
+              <a:xfrm>
+                <a:off x="2458061" y="5069918"/>
+                <a:ext cx="108000" cy="216000"/>
+              </a:xfrm>
+              <a:prstGeom prst="rect">
+                <a:avLst/>
+              </a:prstGeom>
+            </p:spPr>
+          </p:pic>
+        </mc:Fallback>
+      </mc:AlternateContent>
+      <mc:AlternateContent xmlns:mc="http://schemas.openxmlformats.org/markup-compatibility/2006">
+        <mc:Choice xmlns:p14="http://schemas.microsoft.com/office/powerpoint/2010/main" Requires="p14">
+          <p:contentPart p14:bwMode="auto" r:id="rId5">
+            <p14:nvContentPartPr>
+              <p14:cNvPr id="11" name="Ink 10">
+                <a:extLst>
+                  <a:ext uri="{FF2B5EF4-FFF2-40B4-BE49-F238E27FC236}">
+                    <a16:creationId xmlns:a16="http://schemas.microsoft.com/office/drawing/2014/main" id="{B22CAE67-3F80-CC91-5CD7-C5AB55D8DBC6}"/>
+                  </a:ext>
+                </a:extLst>
+              </p14:cNvPr>
+              <p14:cNvContentPartPr/>
+              <p14:nvPr/>
+            </p14:nvContentPartPr>
+            <p14:xfrm>
+              <a:off x="1395341" y="5013398"/>
+              <a:ext cx="4382640" cy="128160"/>
+            </p14:xfrm>
+          </p:contentPart>
+        </mc:Choice>
+        <mc:Fallback>
+          <p:pic>
+            <p:nvPicPr>
+              <p:cNvPr id="11" name="Ink 10">
+                <a:extLst>
+                  <a:ext uri="{FF2B5EF4-FFF2-40B4-BE49-F238E27FC236}">
+                    <a16:creationId xmlns:a16="http://schemas.microsoft.com/office/drawing/2014/main" id="{B22CAE67-3F80-CC91-5CD7-C5AB55D8DBC6}"/>
+                  </a:ext>
+                </a:extLst>
+              </p:cNvPr>
+              <p:cNvPicPr/>
+              <p:nvPr/>
+            </p:nvPicPr>
+            <p:blipFill>
+              <a:blip r:embed="rId6"/>
+              <a:stretch>
+                <a:fillRect/>
+              </a:stretch>
+            </p:blipFill>
+            <p:spPr>
+              <a:xfrm>
+                <a:off x="1386341" y="5004758"/>
+                <a:ext cx="4400280" cy="145800"/>
+              </a:xfrm>
+              <a:prstGeom prst="rect">
+                <a:avLst/>
+              </a:prstGeom>
+            </p:spPr>
+          </p:pic>
+        </mc:Fallback>
+      </mc:AlternateContent>
+      <p:sp>
+        <p:nvSpPr>
+          <p:cNvPr id="12" name="TextBox 11">
+            <a:extLst>
+              <a:ext uri="{FF2B5EF4-FFF2-40B4-BE49-F238E27FC236}">
+                <a16:creationId xmlns:a16="http://schemas.microsoft.com/office/drawing/2014/main" id="{8877ED85-FC82-84BC-0832-A18FB1923EEC}"/>
+              </a:ext>
+            </a:extLst>
+          </p:cNvPr>
+          <p:cNvSpPr txBox="1"/>
+          <p:nvPr/>
+        </p:nvSpPr>
+        <p:spPr>
+          <a:xfrm>
+            <a:off x="8662736" y="500514"/>
+            <a:ext cx="3155637" cy="4001095"/>
+          </a:xfrm>
+          <a:prstGeom prst="rect">
+            <a:avLst/>
+          </a:prstGeom>
+          <a:noFill/>
+        </p:spPr>
+        <p:txBody>
+          <a:bodyPr wrap="square" rtlCol="0">
+            <a:spAutoFit/>
+          </a:bodyPr>
+          <a:lstStyle/>
+          <a:p>
+            <a:r>
+              <a:rPr lang="en-US" b="1" dirty="0"/>
+              <a:t>REST  Status Code : 201</a:t>
+            </a:r>
+          </a:p>
+          <a:p>
+            <a:r>
+              <a:rPr lang="en-US" b="1" dirty="0"/>
+              <a:t>Returns a URI for the new inserted item.</a:t>
+            </a:r>
+          </a:p>
+          <a:p>
+            <a:endParaRPr lang="en-US" b="1" dirty="0"/>
+          </a:p>
+          <a:p>
+            <a:r>
+              <a:rPr lang="en-US" sz="1400" dirty="0" err="1"/>
+              <a:t>CreatedAtRoute</a:t>
+            </a:r>
+            <a:r>
+              <a:rPr lang="en-US" sz="1400" dirty="0"/>
+              <a:t> : Generates 201 route/</a:t>
+            </a:r>
+            <a:r>
+              <a:rPr lang="en-US" sz="1400" dirty="0" err="1"/>
+              <a:t>uri</a:t>
+            </a:r>
+            <a:r>
+              <a:rPr lang="en-US" sz="1400" dirty="0"/>
+              <a:t> as response to Post request. </a:t>
+            </a:r>
+          </a:p>
+          <a:p>
+            <a:endParaRPr lang="en-US" sz="1400" dirty="0"/>
+          </a:p>
+          <a:p>
+            <a:r>
+              <a:rPr lang="en-US" sz="1400" dirty="0"/>
+              <a:t>Arguments: </a:t>
+            </a:r>
+            <a:r>
+              <a:rPr lang="en-US" sz="1400" b="0" i="0" dirty="0">
+                <a:solidFill>
+                  <a:srgbClr val="232629"/>
+                </a:solidFill>
+                <a:effectLst/>
+                <a:latin typeface="-apple-system"/>
+              </a:rPr>
+              <a:t> look for a method by name “</a:t>
+            </a:r>
+            <a:r>
+              <a:rPr lang="en-US" sz="1400" b="0" i="0" dirty="0" err="1">
+                <a:solidFill>
+                  <a:srgbClr val="232629"/>
+                </a:solidFill>
+                <a:effectLst/>
+                <a:latin typeface="-apple-system"/>
+              </a:rPr>
+              <a:t>GetPlatformmyId</a:t>
+            </a:r>
+            <a:r>
+              <a:rPr lang="en-US" sz="1400" b="0" i="0" dirty="0">
+                <a:solidFill>
+                  <a:srgbClr val="232629"/>
+                </a:solidFill>
+                <a:effectLst/>
+                <a:latin typeface="-apple-system"/>
+              </a:rPr>
+              <a:t>” function that receives 1 parameters, in this case 1  integer value. </a:t>
+            </a:r>
+          </a:p>
+          <a:p>
+            <a:endParaRPr lang="en-US" sz="1400" dirty="0">
+              <a:solidFill>
+                <a:srgbClr val="232629"/>
+              </a:solidFill>
+              <a:latin typeface="-apple-system"/>
+            </a:endParaRPr>
+          </a:p>
+          <a:p>
+            <a:r>
+              <a:rPr lang="en-US" sz="1400" dirty="0">
+                <a:solidFill>
+                  <a:srgbClr val="232629"/>
+                </a:solidFill>
+                <a:latin typeface="-apple-system"/>
+              </a:rPr>
+              <a:t>Arg1 : name of method/route to redirect</a:t>
+            </a:r>
+          </a:p>
+          <a:p>
+            <a:r>
+              <a:rPr lang="en-US" sz="1400" dirty="0">
+                <a:solidFill>
+                  <a:srgbClr val="232629"/>
+                </a:solidFill>
+                <a:latin typeface="-apple-system"/>
+              </a:rPr>
+              <a:t>Arg 2 : value to be passed to the method/route </a:t>
+            </a:r>
+          </a:p>
+          <a:p>
+            <a:r>
+              <a:rPr lang="en-US" sz="1400" dirty="0">
+                <a:solidFill>
+                  <a:srgbClr val="232629"/>
+                </a:solidFill>
+                <a:latin typeface="-apple-system"/>
+              </a:rPr>
+              <a:t>Arg 3: Object to be added in response body</a:t>
+            </a:r>
+            <a:endParaRPr lang="en-US" sz="1400" dirty="0"/>
+          </a:p>
+        </p:txBody>
+      </p:sp>
+    </p:spTree>
+    <p:extLst>
+      <p:ext uri="{BB962C8B-B14F-4D97-AF65-F5344CB8AC3E}">
+        <p14:creationId xmlns:p14="http://schemas.microsoft.com/office/powerpoint/2010/main" val="2245344750"/>
+      </p:ext>
+    </p:extLst>
+  </p:cSld>
+  <p:clrMapOvr>
+    <a:masterClrMapping/>
+  </p:clrMapOvr>
+</p:sld>
+</file>
+
+<file path=ppt/slides/slide12.xml><?xml version="1.0" encoding="utf-8"?>
+<p:sld xmlns:a="http://schemas.openxmlformats.org/drawingml/2006/main" xmlns:r="http://schemas.openxmlformats.org/officeDocument/2006/relationships" xmlns:p="http://schemas.openxmlformats.org/presentationml/2006/main">
+  <p:cSld>
+    <p:spTree>
+      <p:nvGrpSpPr>
+        <p:cNvPr id="1" name=""/>
+        <p:cNvGrpSpPr/>
+        <p:nvPr/>
+      </p:nvGrpSpPr>
+      <p:grpSpPr>
+        <a:xfrm>
+          <a:off x="0" y="0"/>
+          <a:ext cx="0" cy="0"/>
+          <a:chOff x="0" y="0"/>
+          <a:chExt cx="0" cy="0"/>
+        </a:xfrm>
+      </p:grpSpPr>
       <p:sp>
         <p:nvSpPr>
           <p:cNvPr id="2" name="Title 1">
@@ -5113,115 +5520,6 @@
 </p:sld>
 </file>
 
-<file path=ppt/slides/slide12.xml><?xml version="1.0" encoding="utf-8"?>
-<p:sld xmlns:a="http://schemas.openxmlformats.org/drawingml/2006/main" xmlns:r="http://schemas.openxmlformats.org/officeDocument/2006/relationships" xmlns:p="http://schemas.openxmlformats.org/presentationml/2006/main">
-  <p:cSld>
-    <p:spTree>
-      <p:nvGrpSpPr>
-        <p:cNvPr id="1" name=""/>
-        <p:cNvGrpSpPr/>
-        <p:nvPr/>
-      </p:nvGrpSpPr>
-      <p:grpSpPr>
-        <a:xfrm>
-          <a:off x="0" y="0"/>
-          <a:ext cx="0" cy="0"/>
-          <a:chOff x="0" y="0"/>
-          <a:chExt cx="0" cy="0"/>
-        </a:xfrm>
-      </p:grpSpPr>
-      <p:sp>
-        <p:nvSpPr>
-          <p:cNvPr id="2" name="Title 1">
-            <a:extLst>
-              <a:ext uri="{FF2B5EF4-FFF2-40B4-BE49-F238E27FC236}">
-                <a16:creationId xmlns:a16="http://schemas.microsoft.com/office/drawing/2014/main" id="{C2D071FE-0B9C-F579-7015-4C03EDEFB60C}"/>
-              </a:ext>
-            </a:extLst>
-          </p:cNvPr>
-          <p:cNvSpPr>
-            <a:spLocks noGrp="1"/>
-          </p:cNvSpPr>
-          <p:nvPr>
-            <p:ph type="title"/>
-          </p:nvPr>
-        </p:nvSpPr>
-        <p:spPr/>
-        <p:txBody>
-          <a:bodyPr/>
-          <a:lstStyle/>
-          <a:p>
-            <a:r>
-              <a:rPr lang="en-US" dirty="0"/>
-              <a:t>Module 2 – </a:t>
-            </a:r>
-            <a:r>
-              <a:rPr lang="en-US" dirty="0" err="1"/>
-              <a:t>Dockerize</a:t>
-            </a:r>
-            <a:r>
-              <a:rPr lang="en-US" dirty="0"/>
-              <a:t> </a:t>
-            </a:r>
-            <a:r>
-              <a:rPr lang="en-US" dirty="0" err="1"/>
-              <a:t>ASP.Net</a:t>
-            </a:r>
-            <a:r>
-              <a:rPr lang="en-US" dirty="0"/>
-              <a:t> Core</a:t>
-            </a:r>
-          </a:p>
-        </p:txBody>
-      </p:sp>
-      <p:sp>
-        <p:nvSpPr>
-          <p:cNvPr id="3" name="TextBox 2">
-            <a:extLst>
-              <a:ext uri="{FF2B5EF4-FFF2-40B4-BE49-F238E27FC236}">
-                <a16:creationId xmlns:a16="http://schemas.microsoft.com/office/drawing/2014/main" id="{91B1256C-E7B4-D2EF-8BF6-74BB8A70CC13}"/>
-              </a:ext>
-            </a:extLst>
-          </p:cNvPr>
-          <p:cNvSpPr txBox="1"/>
-          <p:nvPr/>
-        </p:nvSpPr>
-        <p:spPr>
-          <a:xfrm>
-            <a:off x="838199" y="1761423"/>
-            <a:ext cx="11009671" cy="369332"/>
-          </a:xfrm>
-          <a:prstGeom prst="rect">
-            <a:avLst/>
-          </a:prstGeom>
-          <a:noFill/>
-        </p:spPr>
-        <p:txBody>
-          <a:bodyPr wrap="square" rtlCol="0">
-            <a:spAutoFit/>
-          </a:bodyPr>
-          <a:lstStyle/>
-          <a:p>
-            <a:r>
-              <a:rPr lang="en-US" dirty="0"/>
-              <a:t>Docker File : Instruction to Docker Engine about the app to convert into Docker Image</a:t>
-            </a:r>
-          </a:p>
-        </p:txBody>
-      </p:sp>
-    </p:spTree>
-    <p:extLst>
-      <p:ext uri="{BB962C8B-B14F-4D97-AF65-F5344CB8AC3E}">
-        <p14:creationId xmlns:p14="http://schemas.microsoft.com/office/powerpoint/2010/main" val="2280201703"/>
-      </p:ext>
-    </p:extLst>
-  </p:cSld>
-  <p:clrMapOvr>
-    <a:masterClrMapping/>
-  </p:clrMapOvr>
-</p:sld>
-</file>
-
 <file path=ppt/slides/slide13.xml><?xml version="1.0" encoding="utf-8"?>
 <p:sld xmlns:a="http://schemas.openxmlformats.org/drawingml/2006/main" xmlns:r="http://schemas.openxmlformats.org/officeDocument/2006/relationships" xmlns:p="http://schemas.openxmlformats.org/presentationml/2006/main">
   <p:cSld>
@@ -5241,10 +5539,54 @@
       </p:grpSpPr>
       <p:sp>
         <p:nvSpPr>
-          <p:cNvPr id="2" name="TextBox 1">
-            <a:extLst>
-              <a:ext uri="{FF2B5EF4-FFF2-40B4-BE49-F238E27FC236}">
-                <a16:creationId xmlns:a16="http://schemas.microsoft.com/office/drawing/2014/main" id="{F72C2E1D-D33F-F40B-10D4-3C08A956FED1}"/>
+          <p:cNvPr id="2" name="Title 1">
+            <a:extLst>
+              <a:ext uri="{FF2B5EF4-FFF2-40B4-BE49-F238E27FC236}">
+                <a16:creationId xmlns:a16="http://schemas.microsoft.com/office/drawing/2014/main" id="{C2D071FE-0B9C-F579-7015-4C03EDEFB60C}"/>
+              </a:ext>
+            </a:extLst>
+          </p:cNvPr>
+          <p:cNvSpPr>
+            <a:spLocks noGrp="1"/>
+          </p:cNvSpPr>
+          <p:nvPr>
+            <p:ph type="title"/>
+          </p:nvPr>
+        </p:nvSpPr>
+        <p:spPr/>
+        <p:txBody>
+          <a:bodyPr/>
+          <a:lstStyle/>
+          <a:p>
+            <a:r>
+              <a:rPr lang="en-US" dirty="0"/>
+              <a:t>Module 2 – </a:t>
+            </a:r>
+            <a:r>
+              <a:rPr lang="en-US" dirty="0" err="1"/>
+              <a:t>Dockerize</a:t>
+            </a:r>
+            <a:r>
+              <a:rPr lang="en-US" dirty="0"/>
+              <a:t> </a:t>
+            </a:r>
+            <a:r>
+              <a:rPr lang="en-US" dirty="0" err="1"/>
+              <a:t>ASP.Net</a:t>
+            </a:r>
+            <a:r>
+              <a:rPr lang="en-US" dirty="0"/>
+              <a:t> Core</a:t>
+            </a:r>
+          </a:p>
+        </p:txBody>
+      </p:sp>
+      <p:sp>
+        <p:nvSpPr>
+          <p:cNvPr id="3" name="TextBox 2">
+            <a:extLst>
+              <a:ext uri="{FF2B5EF4-FFF2-40B4-BE49-F238E27FC236}">
+                <a16:creationId xmlns:a16="http://schemas.microsoft.com/office/drawing/2014/main" id="{91B1256C-E7B4-D2EF-8BF6-74BB8A70CC13}"/>
               </a:ext>
             </a:extLst>
           </p:cNvPr>
@@ -5253,8 +5595,8 @@
         </p:nvSpPr>
         <p:spPr>
           <a:xfrm>
-            <a:off x="7908758" y="5144963"/>
-            <a:ext cx="4283242" cy="1107996"/>
+            <a:off x="838199" y="1761423"/>
+            <a:ext cx="11009671" cy="369332"/>
           </a:xfrm>
           <a:prstGeom prst="rect">
             <a:avLst/>
@@ -5268,19 +5610,16 @@
           <a:lstStyle/>
           <a:p>
             <a:r>
-              <a:rPr lang="en-US" sz="4800" dirty="0"/>
-              <a:t>References</a:t>
-            </a:r>
-          </a:p>
-          <a:p>
-            <a:endParaRPr lang="en-US" dirty="0"/>
+              <a:rPr lang="en-US" dirty="0"/>
+              <a:t>Docker File : Instruction to Docker Engine about the app to convert into Docker Image</a:t>
+            </a:r>
           </a:p>
         </p:txBody>
       </p:sp>
     </p:spTree>
     <p:extLst>
       <p:ext uri="{BB962C8B-B14F-4D97-AF65-F5344CB8AC3E}">
-        <p14:creationId xmlns:p14="http://schemas.microsoft.com/office/powerpoint/2010/main" val="1777298064"/>
+        <p14:creationId xmlns:p14="http://schemas.microsoft.com/office/powerpoint/2010/main" val="2280201703"/>
       </p:ext>
     </p:extLst>
   </p:cSld>
@@ -5307,6 +5646,74 @@
           <a:chExt cx="0" cy="0"/>
         </a:xfrm>
       </p:grpSpPr>
+      <p:sp>
+        <p:nvSpPr>
+          <p:cNvPr id="2" name="TextBox 1">
+            <a:extLst>
+              <a:ext uri="{FF2B5EF4-FFF2-40B4-BE49-F238E27FC236}">
+                <a16:creationId xmlns:a16="http://schemas.microsoft.com/office/drawing/2014/main" id="{F72C2E1D-D33F-F40B-10D4-3C08A956FED1}"/>
+              </a:ext>
+            </a:extLst>
+          </p:cNvPr>
+          <p:cNvSpPr txBox="1"/>
+          <p:nvPr/>
+        </p:nvSpPr>
+        <p:spPr>
+          <a:xfrm>
+            <a:off x="7908758" y="5144963"/>
+            <a:ext cx="4283242" cy="1107996"/>
+          </a:xfrm>
+          <a:prstGeom prst="rect">
+            <a:avLst/>
+          </a:prstGeom>
+          <a:noFill/>
+        </p:spPr>
+        <p:txBody>
+          <a:bodyPr wrap="square" rtlCol="0">
+            <a:spAutoFit/>
+          </a:bodyPr>
+          <a:lstStyle/>
+          <a:p>
+            <a:r>
+              <a:rPr lang="en-US" sz="4800" dirty="0"/>
+              <a:t>References</a:t>
+            </a:r>
+          </a:p>
+          <a:p>
+            <a:endParaRPr lang="en-US" dirty="0"/>
+          </a:p>
+        </p:txBody>
+      </p:sp>
+    </p:spTree>
+    <p:extLst>
+      <p:ext uri="{BB962C8B-B14F-4D97-AF65-F5344CB8AC3E}">
+        <p14:creationId xmlns:p14="http://schemas.microsoft.com/office/powerpoint/2010/main" val="1777298064"/>
+      </p:ext>
+    </p:extLst>
+  </p:cSld>
+  <p:clrMapOvr>
+    <a:masterClrMapping/>
+  </p:clrMapOvr>
+</p:sld>
+</file>
+
+<file path=ppt/slides/slide15.xml><?xml version="1.0" encoding="utf-8"?>
+<p:sld xmlns:a="http://schemas.openxmlformats.org/drawingml/2006/main" xmlns:r="http://schemas.openxmlformats.org/officeDocument/2006/relationships" xmlns:p="http://schemas.openxmlformats.org/presentationml/2006/main">
+  <p:cSld>
+    <p:spTree>
+      <p:nvGrpSpPr>
+        <p:cNvPr id="1" name=""/>
+        <p:cNvGrpSpPr/>
+        <p:nvPr/>
+      </p:nvGrpSpPr>
+      <p:grpSpPr>
+        <a:xfrm>
+          <a:off x="0" y="0"/>
+          <a:ext cx="0" cy="0"/>
+          <a:chOff x="0" y="0"/>
+          <a:chExt cx="0" cy="0"/>
+        </a:xfrm>
+      </p:grpSpPr>
       <p:pic>
         <p:nvPicPr>
           <p:cNvPr id="3" name="Picture 2">
@@ -5443,7 +5850,7 @@
 </p:sld>
 </file>
 
-<file path=ppt/slides/slide15.xml><?xml version="1.0" encoding="utf-8"?>
+<file path=ppt/slides/slide16.xml><?xml version="1.0" encoding="utf-8"?>
 <p:sld xmlns:a="http://schemas.openxmlformats.org/drawingml/2006/main" xmlns:r="http://schemas.openxmlformats.org/officeDocument/2006/relationships" xmlns:p="http://schemas.openxmlformats.org/presentationml/2006/main">
   <p:cSld>
     <p:spTree>
